--- a/TutoriumsAufgaben/doc/termin06/PR1 Tutorium.pptx
+++ b/TutoriumsAufgaben/doc/termin06/PR1 Tutorium.pptx
@@ -5,18 +5,14 @@
     <p:sldMasterId id="2147483648" r:id="rId1"/>
   </p:sldMasterIdLst>
   <p:notesMasterIdLst>
-    <p:notesMasterId r:id="rId11"/>
+    <p:notesMasterId r:id="rId7"/>
   </p:notesMasterIdLst>
   <p:sldIdLst>
     <p:sldId id="256" r:id="rId2"/>
     <p:sldId id="257" r:id="rId3"/>
     <p:sldId id="258" r:id="rId4"/>
-    <p:sldId id="260" r:id="rId5"/>
-    <p:sldId id="261" r:id="rId6"/>
-    <p:sldId id="262" r:id="rId7"/>
-    <p:sldId id="263" r:id="rId8"/>
-    <p:sldId id="264" r:id="rId9"/>
-    <p:sldId id="259" r:id="rId10"/>
+    <p:sldId id="259" r:id="rId5"/>
+    <p:sldId id="260" r:id="rId6"/>
   </p:sldIdLst>
   <p:sldSz cx="9144000" cy="6858000" type="screen4x3"/>
   <p:notesSz cx="6858000" cy="9144000"/>
@@ -115,6 +111,22 @@
       </a:defRPr>
     </a:lvl9pPr>
   </p:defaultTextStyle>
+  <p:extLst>
+    <p:ext uri="{EFAFB233-063F-42B5-8137-9DF3F51BA10A}">
+      <p15:sldGuideLst xmlns:p15="http://schemas.microsoft.com/office/powerpoint/2012/main">
+        <p15:guide id="1" orient="horz" pos="2160">
+          <p15:clr>
+            <a:srgbClr val="A4A3A4"/>
+          </p15:clr>
+        </p15:guide>
+        <p15:guide id="2" pos="2880">
+          <p15:clr>
+            <a:srgbClr val="A4A3A4"/>
+          </p15:clr>
+        </p15:guide>
+      </p15:sldGuideLst>
+    </p:ext>
+  </p:extLst>
 </p:presentation>
 </file>
 
@@ -200,7 +212,7 @@
           <a:p>
             <a:fld id="{52F69A2A-DA3B-4A07-BBF2-D2DA76610D30}" type="datetimeFigureOut">
               <a:rPr lang="de-DE" smtClean="0"/>
-              <a:t>20.10.2015</a:t>
+              <a:t>22.03.2016</a:t>
             </a:fld>
             <a:endParaRPr lang="de-DE"/>
           </a:p>
@@ -512,22 +524,6 @@
           <a:bodyPr/>
           <a:lstStyle/>
           <a:p>
-            <a:r>
-              <a:rPr lang="de-DE" dirty="0" smtClean="0"/>
-              <a:t>Begrüßung(Helena)</a:t>
-            </a:r>
-          </a:p>
-          <a:p>
-            <a:r>
-              <a:rPr lang="de-DE" dirty="0" smtClean="0"/>
-              <a:t>Fragen</a:t>
-            </a:r>
-          </a:p>
-          <a:p>
-            <a:r>
-              <a:rPr lang="de-DE" dirty="0" smtClean="0"/>
-              <a:t>-&gt;Ablauf</a:t>
-            </a:r>
             <a:endParaRPr lang="de-DE" dirty="0"/>
           </a:p>
         </p:txBody>
@@ -613,32 +609,111 @@
           <a:lstStyle/>
           <a:p>
             <a:r>
+              <a:rPr lang="de-DE" baseline="0" dirty="0" smtClean="0"/>
+              <a:t>5 Minuten Pausen?</a:t>
+            </a:r>
+          </a:p>
+          <a:p>
+            <a:r>
+              <a:rPr lang="de-DE" baseline="0" dirty="0" smtClean="0"/>
+              <a:t>Eventuelle Dateien über </a:t>
+            </a:r>
+            <a:r>
+              <a:rPr lang="de-DE" baseline="0" dirty="0" err="1" smtClean="0"/>
+              <a:t>Owncloud</a:t>
+            </a:r>
+            <a:r>
+              <a:rPr lang="de-DE" baseline="0" dirty="0" smtClean="0"/>
+              <a:t> an die Gruppe b-wi2pmp2</a:t>
+            </a:r>
+          </a:p>
+          <a:p>
+            <a:r>
+              <a:rPr lang="de-DE" baseline="0" dirty="0" smtClean="0"/>
+              <a:t>	</a:t>
+            </a:r>
+          </a:p>
+          <a:p>
+            <a:endParaRPr lang="de-DE" baseline="0" dirty="0" smtClean="0"/>
+          </a:p>
+          <a:p>
+            <a:r>
+              <a:rPr lang="de-DE" baseline="0" dirty="0" smtClean="0"/>
+              <a:t>Mögliche Zusatzthemen:</a:t>
+            </a:r>
+          </a:p>
+          <a:p>
+            <a:r>
+              <a:rPr lang="de-DE" baseline="0" dirty="0" smtClean="0"/>
+              <a:t>	</a:t>
+            </a:r>
+            <a:r>
+              <a:rPr lang="de-DE" baseline="0" dirty="0" err="1" smtClean="0"/>
+              <a:t>Git</a:t>
+            </a:r>
+            <a:r>
+              <a:rPr lang="de-DE" baseline="0" dirty="0" smtClean="0"/>
+              <a:t>-Einführung(</a:t>
+            </a:r>
+            <a:r>
+              <a:rPr lang="de-DE" baseline="0" dirty="0" err="1" smtClean="0"/>
+              <a:t>Git</a:t>
+            </a:r>
+            <a:r>
+              <a:rPr lang="de-DE" baseline="0" dirty="0" smtClean="0"/>
+              <a:t>-Flow)</a:t>
+            </a:r>
+          </a:p>
+          <a:p>
+            <a:r>
+              <a:rPr lang="de-DE" baseline="0" dirty="0" smtClean="0"/>
+              <a:t>	</a:t>
+            </a:r>
+            <a:r>
+              <a:rPr lang="de-DE" baseline="0" dirty="0" err="1" smtClean="0"/>
+              <a:t>Eclipse</a:t>
+            </a:r>
+            <a:r>
+              <a:rPr lang="de-DE" baseline="0" dirty="0" smtClean="0"/>
+              <a:t>-Einführung(optionale Cheat-Sheet)</a:t>
+            </a:r>
+          </a:p>
+          <a:p>
+            <a:endParaRPr lang="de-DE" baseline="0" dirty="0" smtClean="0"/>
+          </a:p>
+          <a:p>
+            <a:r>
               <a:rPr lang="de-DE" dirty="0" smtClean="0"/>
-              <a:t>Häufige Fehler: Besprechung zusammen</a:t>
+              <a:t>Geplanter Ablauf: </a:t>
             </a:r>
           </a:p>
           <a:p>
             <a:r>
               <a:rPr lang="de-DE" dirty="0" smtClean="0"/>
-              <a:t>Anschließend Musterlösung und eigene Fragen dazu.</a:t>
+              <a:t>	Fachliche Fragen an mich im Tutorium oder vorher per E-Mail</a:t>
             </a:r>
           </a:p>
           <a:p>
             <a:r>
               <a:rPr lang="de-DE" dirty="0" smtClean="0"/>
-              <a:t>Pausenlänge klären</a:t>
+              <a:t>	Aufnahme in Themenspeicher oder direkte Beantwortung</a:t>
             </a:r>
           </a:p>
           <a:p>
             <a:r>
               <a:rPr lang="de-DE" dirty="0" smtClean="0"/>
-              <a:t>-&gt;Häufige</a:t>
+              <a:t>	Themen aus Themenspeicher werden von mir vorbereitet</a:t>
             </a:r>
             <a:r>
               <a:rPr lang="de-DE" baseline="0" dirty="0" smtClean="0"/>
-              <a:t> Fehler</a:t>
-            </a:r>
-            <a:endParaRPr lang="de-DE" dirty="0"/>
+              <a:t> und angekündigt</a:t>
+            </a:r>
+          </a:p>
+          <a:p>
+            <a:r>
+              <a:rPr lang="de-DE" baseline="0" dirty="0" smtClean="0"/>
+              <a:t>	Ansonsten freie Arbeitszeit für Praktikumsaufgaben</a:t>
+            </a:r>
           </a:p>
         </p:txBody>
       </p:sp>
@@ -659,7 +734,7 @@
           <a:p>
             <a:fld id="{1D026FA2-43A4-4D9D-BC63-45F112423FD4}" type="slidenum">
               <a:rPr lang="de-DE" smtClean="0"/>
-              <a:t>2</a:t>
+              <a:t>3</a:t>
             </a:fld>
             <a:endParaRPr lang="de-DE"/>
           </a:p>
@@ -668,7 +743,7 @@
     </p:spTree>
     <p:extLst>
       <p:ext uri="{BB962C8B-B14F-4D97-AF65-F5344CB8AC3E}">
-        <p14:creationId xmlns:p14="http://schemas.microsoft.com/office/powerpoint/2010/main" val="3521072307"/>
+        <p14:creationId xmlns:p14="http://schemas.microsoft.com/office/powerpoint/2010/main" val="1909566112"/>
       </p:ext>
     </p:extLst>
   </p:cSld>
@@ -724,61 +799,90 @@
           <a:p>
             <a:r>
               <a:rPr lang="de-DE" dirty="0" smtClean="0"/>
-              <a:t>Folgende Zeichen:</a:t>
+              <a:t>Modelle als Abstraktion von der Realität, nur relevante Faktoren werden betrachtet.</a:t>
+            </a:r>
+          </a:p>
+          <a:p>
+            <a:endParaRPr lang="de-DE" dirty="0" smtClean="0"/>
+          </a:p>
+          <a:p>
+            <a:r>
+              <a:rPr lang="de-DE" dirty="0" smtClean="0"/>
+              <a:t>Testen:</a:t>
             </a:r>
             <a:r>
               <a:rPr lang="de-DE" baseline="0" dirty="0" smtClean="0"/>
-              <a:t> Verbindungszeichen(_ </a:t>
-            </a:r>
-            <a:r>
-              <a:rPr lang="de-DE" baseline="0" dirty="0" err="1" smtClean="0"/>
-              <a:t>u.ä.</a:t>
-            </a:r>
+              <a:t> </a:t>
+            </a:r>
+          </a:p>
+          <a:p>
             <a:r>
               <a:rPr lang="de-DE" baseline="0" dirty="0" smtClean="0"/>
-              <a:t>), Buchstaben(</a:t>
-            </a:r>
-            <a:r>
-              <a:rPr lang="de-DE" baseline="0" dirty="0" err="1" smtClean="0"/>
-              <a:t>a..z</a:t>
-            </a:r>
+              <a:t>	statische Tests: Review, Metriken, alles in Person am Code selbst</a:t>
+            </a:r>
+          </a:p>
+          <a:p>
             <a:r>
               <a:rPr lang="de-DE" baseline="0" dirty="0" smtClean="0"/>
-              <a:t>), Währungszeichen($..), Ziffern(0..9)</a:t>
+              <a:t>	dynamische Tests: Die zu testende Software wird ausgeführt</a:t>
             </a:r>
           </a:p>
           <a:p>
             <a:r>
               <a:rPr lang="de-DE" baseline="0" dirty="0" smtClean="0"/>
-              <a:t>Erstes Zeichen: </a:t>
-            </a:r>
+              <a:t>		      Modultests, Integrationstests, Black-Box, White-Box</a:t>
+            </a:r>
+          </a:p>
+          <a:p>
+            <a:endParaRPr lang="de-DE" baseline="0" dirty="0" smtClean="0"/>
+          </a:p>
+          <a:p>
             <a:r>
               <a:rPr lang="de-DE" baseline="0" dirty="0" smtClean="0"/>
-              <a:t>Verbindungszeichen(_ </a:t>
-            </a:r>
-            <a:r>
-              <a:rPr lang="de-DE" baseline="0" dirty="0" err="1" smtClean="0"/>
-              <a:t>u.ä.</a:t>
-            </a:r>
+              <a:t>Vertrag:</a:t>
+            </a:r>
+          </a:p>
+          <a:p>
             <a:r>
               <a:rPr lang="de-DE" baseline="0" dirty="0" smtClean="0"/>
-              <a:t>), Buchstaben(</a:t>
-            </a:r>
-            <a:r>
-              <a:rPr lang="de-DE" baseline="0" dirty="0" err="1" smtClean="0"/>
-              <a:t>a..z</a:t>
-            </a:r>
+              <a:t>	Vor und Nach-/Bedingungen</a:t>
+            </a:r>
+          </a:p>
+          <a:p>
             <a:r>
               <a:rPr lang="de-DE" baseline="0" dirty="0" smtClean="0"/>
-              <a:t>), Währungszeichen($..)</a:t>
-            </a:r>
-          </a:p>
-          <a:p>
-            <a:r>
-              <a:rPr lang="de-DE" baseline="0" dirty="0" smtClean="0"/>
-              <a:t>- True ist nur für Klassennamen verwendbar</a:t>
-            </a:r>
-            <a:endParaRPr lang="de-DE" dirty="0"/>
+              <a:t>	Klassen-Invarianten (gelten vor und nach der Ausführung jeder </a:t>
+            </a:r>
+            <a:r>
+              <a:rPr lang="de-DE" baseline="0" smtClean="0"/>
+              <a:t>Methode)</a:t>
+            </a:r>
+          </a:p>
+          <a:p>
+            <a:endParaRPr lang="de-DE" baseline="0" dirty="0" smtClean="0"/>
+          </a:p>
+          <a:p>
+            <a:r>
+              <a:rPr lang="de-DE" dirty="0" smtClean="0"/>
+              <a:t>Polymorphie(vielgestaltig):</a:t>
+            </a:r>
+          </a:p>
+          <a:p>
+            <a:r>
+              <a:rPr lang="de-DE" dirty="0" smtClean="0"/>
+              <a:t>	</a:t>
+            </a:r>
+            <a:r>
+              <a:rPr lang="de-DE" dirty="0" err="1" smtClean="0"/>
+              <a:t>Generizität</a:t>
+            </a:r>
+            <a:r>
+              <a:rPr lang="de-DE" dirty="0" smtClean="0"/>
+              <a:t>, Vererbung, Überladung und automatische Typumwandlung</a:t>
+            </a:r>
+          </a:p>
+          <a:p>
+            <a:endParaRPr lang="de-DE" baseline="0" dirty="0" smtClean="0"/>
           </a:p>
         </p:txBody>
       </p:sp>
@@ -799,7 +903,7 @@
           <a:p>
             <a:fld id="{1D026FA2-43A4-4D9D-BC63-45F112423FD4}" type="slidenum">
               <a:rPr lang="de-DE" smtClean="0"/>
-              <a:t>5</a:t>
+              <a:t>4</a:t>
             </a:fld>
             <a:endParaRPr lang="de-DE"/>
           </a:p>
@@ -808,7 +912,7 @@
     </p:spTree>
     <p:extLst>
       <p:ext uri="{BB962C8B-B14F-4D97-AF65-F5344CB8AC3E}">
-        <p14:creationId xmlns:p14="http://schemas.microsoft.com/office/powerpoint/2010/main" val="1130576525"/>
+        <p14:creationId xmlns:p14="http://schemas.microsoft.com/office/powerpoint/2010/main" val="2926087683"/>
       </p:ext>
     </p:extLst>
   </p:cSld>
@@ -862,6 +966,99 @@
           <a:bodyPr/>
           <a:lstStyle/>
           <a:p>
+            <a:endParaRPr lang="de-DE" dirty="0" smtClean="0"/>
+          </a:p>
+          <a:p>
+            <a:r>
+              <a:rPr lang="de-DE" dirty="0" smtClean="0"/>
+              <a:t>Vererbungskonzepte:</a:t>
+            </a:r>
+          </a:p>
+          <a:p>
+            <a:r>
+              <a:rPr lang="de-DE" dirty="0" smtClean="0"/>
+              <a:t>	(Typ-Hierarchien)ist</a:t>
+            </a:r>
+            <a:r>
+              <a:rPr lang="de-DE" baseline="0" dirty="0" smtClean="0"/>
+              <a:t> ein Beziehung </a:t>
+            </a:r>
+            <a:r>
+              <a:rPr lang="de-DE" baseline="0" dirty="0" smtClean="0">
+                <a:sym typeface="Wingdings" panose="05000000000000000000" pitchFamily="2" charset="2"/>
+              </a:rPr>
+              <a:t></a:t>
+            </a:r>
+          </a:p>
+          <a:p>
+            <a:r>
+              <a:rPr lang="de-DE" baseline="0" dirty="0" smtClean="0">
+                <a:sym typeface="Wingdings" panose="05000000000000000000" pitchFamily="2" charset="2"/>
+              </a:rPr>
+              <a:t>	(Typabstraktion)implementiert Beziehung -.-.-&gt;</a:t>
+            </a:r>
+          </a:p>
+          <a:p>
+            <a:r>
+              <a:rPr lang="de-DE" baseline="0" dirty="0" smtClean="0">
+                <a:sym typeface="Wingdings" panose="05000000000000000000" pitchFamily="2" charset="2"/>
+              </a:rPr>
+              <a:t>	(Code-Wiederverwendung)nutzt ….&gt;</a:t>
+            </a:r>
+          </a:p>
+          <a:p>
+            <a:r>
+              <a:rPr lang="de-DE" baseline="0" dirty="0" smtClean="0">
+                <a:sym typeface="Wingdings" panose="05000000000000000000" pitchFamily="2" charset="2"/>
+              </a:rPr>
+              <a:t>	bekannte Beispiele: Java Collections Framework, </a:t>
+            </a:r>
+            <a:r>
+              <a:rPr lang="de-DE" baseline="0" dirty="0" err="1" smtClean="0">
+                <a:sym typeface="Wingdings" panose="05000000000000000000" pitchFamily="2" charset="2"/>
+              </a:rPr>
+              <a:t>Exceptions</a:t>
+            </a:r>
+            <a:endParaRPr lang="de-DE" baseline="0" dirty="0" smtClean="0">
+              <a:sym typeface="Wingdings" panose="05000000000000000000" pitchFamily="2" charset="2"/>
+            </a:endParaRPr>
+          </a:p>
+          <a:p>
+            <a:endParaRPr lang="de-DE" baseline="0" dirty="0" smtClean="0">
+              <a:sym typeface="Wingdings" panose="05000000000000000000" pitchFamily="2" charset="2"/>
+            </a:endParaRPr>
+          </a:p>
+          <a:p>
+            <a:r>
+              <a:rPr lang="de-DE" baseline="0" dirty="0" smtClean="0">
+                <a:sym typeface="Wingdings" panose="05000000000000000000" pitchFamily="2" charset="2"/>
+              </a:rPr>
+              <a:t>	Super &amp; Sub-Typ bei Typ-Hierarchien</a:t>
+            </a:r>
+          </a:p>
+          <a:p>
+            <a:r>
+              <a:rPr lang="de-DE" baseline="0" dirty="0" smtClean="0">
+                <a:sym typeface="Wingdings" panose="05000000000000000000" pitchFamily="2" charset="2"/>
+              </a:rPr>
+              <a:t>	Ober &amp; Unter-Klasse bei Implementations-Hierarchien</a:t>
+            </a:r>
+          </a:p>
+          <a:p>
+            <a:endParaRPr lang="de-DE" baseline="0" dirty="0" smtClean="0">
+              <a:sym typeface="Wingdings" panose="05000000000000000000" pitchFamily="2" charset="2"/>
+            </a:endParaRPr>
+          </a:p>
+          <a:p>
+            <a:r>
+              <a:rPr lang="de-DE" baseline="0" dirty="0" smtClean="0">
+                <a:sym typeface="Wingdings" panose="05000000000000000000" pitchFamily="2" charset="2"/>
+              </a:rPr>
+              <a:t>	Nur Einfachvererbung</a:t>
+            </a:r>
+            <a:endParaRPr lang="de-DE" dirty="0" smtClean="0"/>
+          </a:p>
+          <a:p>
             <a:endParaRPr lang="de-DE" dirty="0"/>
           </a:p>
         </p:txBody>
@@ -883,7 +1080,7 @@
           <a:p>
             <a:fld id="{1D026FA2-43A4-4D9D-BC63-45F112423FD4}" type="slidenum">
               <a:rPr lang="de-DE" smtClean="0"/>
-              <a:t>8</a:t>
+              <a:t>5</a:t>
             </a:fld>
             <a:endParaRPr lang="de-DE"/>
           </a:p>
@@ -892,7 +1089,7 @@
     </p:spTree>
     <p:extLst>
       <p:ext uri="{BB962C8B-B14F-4D97-AF65-F5344CB8AC3E}">
-        <p14:creationId xmlns:p14="http://schemas.microsoft.com/office/powerpoint/2010/main" val="2329543185"/>
+        <p14:creationId xmlns:p14="http://schemas.microsoft.com/office/powerpoint/2010/main" val="1704844773"/>
       </p:ext>
     </p:extLst>
   </p:cSld>
@@ -1083,7 +1280,7 @@
           <a:p>
             <a:fld id="{667BB148-DEDA-40A7-8CFE-133102578D05}" type="datetimeFigureOut">
               <a:rPr lang="de-DE" smtClean="0"/>
-              <a:t>20.10.2015</a:t>
+              <a:t>22.03.2016</a:t>
             </a:fld>
             <a:endParaRPr lang="de-DE"/>
           </a:p>
@@ -1253,7 +1450,7 @@
           <a:p>
             <a:fld id="{667BB148-DEDA-40A7-8CFE-133102578D05}" type="datetimeFigureOut">
               <a:rPr lang="de-DE" smtClean="0"/>
-              <a:t>20.10.2015</a:t>
+              <a:t>22.03.2016</a:t>
             </a:fld>
             <a:endParaRPr lang="de-DE"/>
           </a:p>
@@ -1433,7 +1630,7 @@
           <a:p>
             <a:fld id="{667BB148-DEDA-40A7-8CFE-133102578D05}" type="datetimeFigureOut">
               <a:rPr lang="de-DE" smtClean="0"/>
-              <a:t>20.10.2015</a:t>
+              <a:t>22.03.2016</a:t>
             </a:fld>
             <a:endParaRPr lang="de-DE"/>
           </a:p>
@@ -1603,7 +1800,7 @@
           <a:p>
             <a:fld id="{667BB148-DEDA-40A7-8CFE-133102578D05}" type="datetimeFigureOut">
               <a:rPr lang="de-DE" smtClean="0"/>
-              <a:t>20.10.2015</a:t>
+              <a:t>22.03.2016</a:t>
             </a:fld>
             <a:endParaRPr lang="de-DE"/>
           </a:p>
@@ -1849,7 +2046,7 @@
           <a:p>
             <a:fld id="{667BB148-DEDA-40A7-8CFE-133102578D05}" type="datetimeFigureOut">
               <a:rPr lang="de-DE" smtClean="0"/>
-              <a:t>20.10.2015</a:t>
+              <a:t>22.03.2016</a:t>
             </a:fld>
             <a:endParaRPr lang="de-DE"/>
           </a:p>
@@ -2137,7 +2334,7 @@
           <a:p>
             <a:fld id="{667BB148-DEDA-40A7-8CFE-133102578D05}" type="datetimeFigureOut">
               <a:rPr lang="de-DE" smtClean="0"/>
-              <a:t>20.10.2015</a:t>
+              <a:t>22.03.2016</a:t>
             </a:fld>
             <a:endParaRPr lang="de-DE"/>
           </a:p>
@@ -2559,7 +2756,7 @@
           <a:p>
             <a:fld id="{667BB148-DEDA-40A7-8CFE-133102578D05}" type="datetimeFigureOut">
               <a:rPr lang="de-DE" smtClean="0"/>
-              <a:t>20.10.2015</a:t>
+              <a:t>22.03.2016</a:t>
             </a:fld>
             <a:endParaRPr lang="de-DE"/>
           </a:p>
@@ -2677,7 +2874,7 @@
           <a:p>
             <a:fld id="{667BB148-DEDA-40A7-8CFE-133102578D05}" type="datetimeFigureOut">
               <a:rPr lang="de-DE" smtClean="0"/>
-              <a:t>20.10.2015</a:t>
+              <a:t>22.03.2016</a:t>
             </a:fld>
             <a:endParaRPr lang="de-DE"/>
           </a:p>
@@ -2772,7 +2969,7 @@
           <a:p>
             <a:fld id="{667BB148-DEDA-40A7-8CFE-133102578D05}" type="datetimeFigureOut">
               <a:rPr lang="de-DE" smtClean="0"/>
-              <a:t>20.10.2015</a:t>
+              <a:t>22.03.2016</a:t>
             </a:fld>
             <a:endParaRPr lang="de-DE"/>
           </a:p>
@@ -3049,7 +3246,7 @@
           <a:p>
             <a:fld id="{667BB148-DEDA-40A7-8CFE-133102578D05}" type="datetimeFigureOut">
               <a:rPr lang="de-DE" smtClean="0"/>
-              <a:t>20.10.2015</a:t>
+              <a:t>22.03.2016</a:t>
             </a:fld>
             <a:endParaRPr lang="de-DE"/>
           </a:p>
@@ -3302,7 +3499,7 @@
           <a:p>
             <a:fld id="{667BB148-DEDA-40A7-8CFE-133102578D05}" type="datetimeFigureOut">
               <a:rPr lang="de-DE" smtClean="0"/>
-              <a:t>20.10.2015</a:t>
+              <a:t>22.03.2016</a:t>
             </a:fld>
             <a:endParaRPr lang="de-DE"/>
           </a:p>
@@ -3515,7 +3712,7 @@
           <a:p>
             <a:fld id="{667BB148-DEDA-40A7-8CFE-133102578D05}" type="datetimeFigureOut">
               <a:rPr lang="de-DE" smtClean="0"/>
-              <a:t>20.10.2015</a:t>
+              <a:t>22.03.2016</a:t>
             </a:fld>
             <a:endParaRPr lang="de-DE"/>
           </a:p>
@@ -3900,37 +4097,27 @@
             <p:ph type="ctrTitle"/>
           </p:nvPr>
         </p:nvSpPr>
-        <p:spPr/>
+        <p:spPr>
+          <a:xfrm>
+            <a:off x="685800" y="2693988"/>
+            <a:ext cx="7772400" cy="1470025"/>
+          </a:xfrm>
+        </p:spPr>
         <p:txBody>
           <a:bodyPr/>
           <a:lstStyle/>
           <a:p>
             <a:r>
               <a:rPr lang="de-DE" dirty="0" smtClean="0"/>
-              <a:t>PR1 Tutorium</a:t>
-            </a:r>
-            <a:endParaRPr lang="de-DE" dirty="0"/>
-          </a:p>
-        </p:txBody>
-      </p:sp>
-      <p:sp>
-        <p:nvSpPr>
-          <p:cNvPr id="3" name="Untertitel 2"/>
-          <p:cNvSpPr>
-            <a:spLocks noGrp="1"/>
-          </p:cNvSpPr>
-          <p:nvPr>
-            <p:ph type="subTitle" idx="1"/>
-          </p:nvPr>
-        </p:nvSpPr>
-        <p:spPr/>
-        <p:txBody>
-          <a:bodyPr/>
-          <a:lstStyle/>
-          <a:p>
+              <a:t>PR2 </a:t>
+            </a:r>
             <a:r>
               <a:rPr lang="de-DE" dirty="0" smtClean="0"/>
-              <a:t>(Helena kann heute leider nicht dabei sein)</a:t>
+              <a:t>Tutorium – Termin </a:t>
+            </a:r>
+            <a:r>
+              <a:rPr lang="de-DE" dirty="0" smtClean="0"/>
+              <a:t>1</a:t>
             </a:r>
             <a:endParaRPr lang="de-DE" dirty="0"/>
           </a:p>
@@ -4006,14 +4193,16 @@
           <a:p>
             <a:r>
               <a:rPr lang="de-DE" dirty="0" smtClean="0"/>
-              <a:t>Häufige Fehler im „Test“</a:t>
+              <a:t>Organisatorisches</a:t>
             </a:r>
           </a:p>
           <a:p>
             <a:r>
               <a:rPr lang="de-DE" dirty="0" smtClean="0"/>
-              <a:t>Übungen in Java</a:t>
-            </a:r>
+              <a:t>Wiederholung bisheriger Themen</a:t>
+            </a:r>
+          </a:p>
+          <a:p>
             <a:endParaRPr lang="de-DE" dirty="0"/>
           </a:p>
         </p:txBody>
@@ -4021,7 +4210,7 @@
     </p:spTree>
     <p:extLst>
       <p:ext uri="{BB962C8B-B14F-4D97-AF65-F5344CB8AC3E}">
-        <p14:creationId xmlns:p14="http://schemas.microsoft.com/office/powerpoint/2010/main" val="1053523556"/>
+        <p14:creationId xmlns:p14="http://schemas.microsoft.com/office/powerpoint/2010/main" val="2970860823"/>
       </p:ext>
     </p:extLst>
   </p:cSld>
@@ -4065,7 +4254,7 @@
           <a:p>
             <a:r>
               <a:rPr lang="de-DE" dirty="0" smtClean="0"/>
-              <a:t>Häufige Fehler</a:t>
+              <a:t>Organisatorisches</a:t>
             </a:r>
             <a:endParaRPr lang="de-DE" dirty="0"/>
           </a:p>
@@ -4088,40 +4277,36 @@
           <a:p>
             <a:r>
               <a:rPr lang="de-DE" dirty="0" smtClean="0"/>
-              <a:t>Operatoren vertauscht</a:t>
+              <a:t>Zukünftiger Ablauf</a:t>
             </a:r>
           </a:p>
           <a:p>
             <a:r>
               <a:rPr lang="de-DE" dirty="0" smtClean="0"/>
-              <a:t>Zugelassene Identifier</a:t>
-            </a:r>
-            <a:endParaRPr lang="de-DE" dirty="0" smtClean="0"/>
+              <a:t>Themenspeicher</a:t>
+            </a:r>
           </a:p>
           <a:p>
             <a:r>
               <a:rPr lang="de-DE" dirty="0" smtClean="0"/>
-              <a:t>Verkettung in Ausdrücken</a:t>
+              <a:t>Pausen</a:t>
             </a:r>
           </a:p>
           <a:p>
             <a:r>
               <a:rPr lang="de-DE" dirty="0" smtClean="0"/>
-              <a:t>Umgang mit boolean Variablen</a:t>
-            </a:r>
-          </a:p>
-          <a:p>
-            <a:r>
-              <a:rPr lang="de-DE" dirty="0" smtClean="0"/>
-              <a:t>Dreiteiliger bedingter Operator</a:t>
-            </a:r>
+              <a:t>Praktikumsaufgaben</a:t>
+            </a:r>
+          </a:p>
+          <a:p>
+            <a:endParaRPr lang="de-DE" dirty="0"/>
           </a:p>
         </p:txBody>
       </p:sp>
     </p:spTree>
     <p:extLst>
       <p:ext uri="{BB962C8B-B14F-4D97-AF65-F5344CB8AC3E}">
-        <p14:creationId xmlns:p14="http://schemas.microsoft.com/office/powerpoint/2010/main" val="4171934436"/>
+        <p14:creationId xmlns:p14="http://schemas.microsoft.com/office/powerpoint/2010/main" val="3630934212"/>
       </p:ext>
     </p:extLst>
   </p:cSld>
@@ -4165,7 +4350,7 @@
           <a:p>
             <a:r>
               <a:rPr lang="de-DE" dirty="0" smtClean="0"/>
-              <a:t>Operatoren</a:t>
+              <a:t>Bereits verstandene Themen?</a:t>
             </a:r>
             <a:endParaRPr lang="de-DE" dirty="0"/>
           </a:p>
@@ -4183,112 +4368,39 @@
         </p:nvSpPr>
         <p:spPr/>
         <p:txBody>
-          <a:bodyPr>
-            <a:normAutofit fontScale="92500"/>
-          </a:bodyPr>
-          <a:lstStyle/>
-          <a:p>
-            <a:pPr marL="0" indent="0">
-              <a:buNone/>
-            </a:pPr>
-            <a:r>
-              <a:rPr lang="de-DE" dirty="0" smtClean="0">
-                <a:latin typeface="Consolas" panose="020B0609020204030204" pitchFamily="49" charset="0"/>
-                <a:cs typeface="Consolas" panose="020B0609020204030204" pitchFamily="49" charset="0"/>
-              </a:rPr>
-              <a:t>public void operatorenBeispiel() {</a:t>
-            </a:r>
-          </a:p>
-          <a:p>
-            <a:pPr marL="0" indent="0">
-              <a:buNone/>
-            </a:pPr>
-            <a:r>
-              <a:rPr lang="de-DE" dirty="0" smtClean="0">
-                <a:latin typeface="Consolas" panose="020B0609020204030204" pitchFamily="49" charset="0"/>
-                <a:cs typeface="Consolas" panose="020B0609020204030204" pitchFamily="49" charset="0"/>
-              </a:rPr>
-              <a:t>	int zahl1 = 10;</a:t>
-            </a:r>
-          </a:p>
-          <a:p>
-            <a:pPr marL="0" indent="0">
-              <a:buNone/>
-            </a:pPr>
-            <a:r>
-              <a:rPr lang="de-DE" dirty="0" smtClean="0">
-                <a:latin typeface="Consolas" panose="020B0609020204030204" pitchFamily="49" charset="0"/>
-                <a:cs typeface="Consolas" panose="020B0609020204030204" pitchFamily="49" charset="0"/>
-              </a:rPr>
-              <a:t>	int zahl2 = 12;</a:t>
-            </a:r>
-          </a:p>
-          <a:p>
-            <a:pPr marL="0" indent="0">
-              <a:buNone/>
-            </a:pPr>
-            <a:r>
-              <a:rPr lang="de-DE" dirty="0" smtClean="0">
-                <a:latin typeface="Consolas" panose="020B0609020204030204" pitchFamily="49" charset="0"/>
-                <a:cs typeface="Consolas" panose="020B0609020204030204" pitchFamily="49" charset="0"/>
-              </a:rPr>
-              <a:t>	boolean bool = true;</a:t>
-            </a:r>
-          </a:p>
-          <a:p>
-            <a:pPr marL="0" indent="0">
-              <a:buNone/>
-            </a:pPr>
-            <a:r>
-              <a:rPr lang="de-DE" dirty="0" smtClean="0">
-                <a:latin typeface="Consolas" panose="020B0609020204030204" pitchFamily="49" charset="0"/>
-                <a:cs typeface="Consolas" panose="020B0609020204030204" pitchFamily="49" charset="0"/>
-              </a:rPr>
-              <a:t>	if(zahl1 &lt; zahl2 &amp;&amp; bool = true) {</a:t>
-            </a:r>
-          </a:p>
-          <a:p>
-            <a:pPr marL="0" indent="0">
-              <a:buNone/>
-            </a:pPr>
-            <a:r>
-              <a:rPr lang="de-DE" dirty="0" smtClean="0">
-                <a:latin typeface="Consolas" panose="020B0609020204030204" pitchFamily="49" charset="0"/>
-                <a:cs typeface="Consolas" panose="020B0609020204030204" pitchFamily="49" charset="0"/>
-              </a:rPr>
-              <a:t>		// tue etwas</a:t>
-            </a:r>
-          </a:p>
-          <a:p>
-            <a:pPr marL="0" indent="0">
-              <a:buNone/>
-            </a:pPr>
-            <a:r>
-              <a:rPr lang="de-DE" dirty="0" smtClean="0">
-                <a:latin typeface="Consolas" panose="020B0609020204030204" pitchFamily="49" charset="0"/>
-                <a:cs typeface="Consolas" panose="020B0609020204030204" pitchFamily="49" charset="0"/>
-              </a:rPr>
-              <a:t>	}</a:t>
-            </a:r>
-          </a:p>
-          <a:p>
-            <a:pPr marL="0" indent="0">
-              <a:buNone/>
-            </a:pPr>
-            <a:r>
-              <a:rPr lang="de-DE" dirty="0" smtClean="0">
-                <a:latin typeface="Consolas" panose="020B0609020204030204" pitchFamily="49" charset="0"/>
-                <a:cs typeface="Consolas" panose="020B0609020204030204" pitchFamily="49" charset="0"/>
-              </a:rPr>
-              <a:t>}</a:t>
-            </a:r>
+          <a:bodyPr/>
+          <a:lstStyle/>
+          <a:p>
+            <a:r>
+              <a:rPr lang="de-DE" dirty="0" smtClean="0"/>
+              <a:t>Abstraktion/Modelle</a:t>
+            </a:r>
+          </a:p>
+          <a:p>
+            <a:r>
+              <a:rPr lang="de-DE" dirty="0" smtClean="0"/>
+              <a:t>Testen</a:t>
+            </a:r>
+          </a:p>
+          <a:p>
+            <a:r>
+              <a:rPr lang="de-DE" dirty="0" smtClean="0"/>
+              <a:t>Vertragsmodell</a:t>
+            </a:r>
+          </a:p>
+          <a:p>
+            <a:r>
+              <a:rPr lang="de-DE" dirty="0" smtClean="0"/>
+              <a:t>Polymorphie</a:t>
+            </a:r>
+            <a:endParaRPr lang="de-DE" dirty="0"/>
           </a:p>
         </p:txBody>
       </p:sp>
     </p:spTree>
     <p:extLst>
       <p:ext uri="{BB962C8B-B14F-4D97-AF65-F5344CB8AC3E}">
-        <p14:creationId xmlns:p14="http://schemas.microsoft.com/office/powerpoint/2010/main" val="4203736465"/>
+        <p14:creationId xmlns:p14="http://schemas.microsoft.com/office/powerpoint/2010/main" val="2970833466"/>
       </p:ext>
     </p:extLst>
   </p:cSld>
@@ -4332,7 +4444,7 @@
           <a:p>
             <a:r>
               <a:rPr lang="de-DE" dirty="0" smtClean="0"/>
-              <a:t>Identifier</a:t>
+              <a:t>Polymorphie</a:t>
             </a:r>
             <a:endParaRPr lang="de-DE" dirty="0"/>
           </a:p>
@@ -4353,471 +4465,14 @@
           <a:bodyPr/>
           <a:lstStyle/>
           <a:p>
-            <a:r>
-              <a:rPr lang="de-DE" dirty="0" smtClean="0"/>
-              <a:t>Erstes Zeichen</a:t>
-            </a:r>
-          </a:p>
-          <a:p>
-            <a:r>
-              <a:rPr lang="de-DE" dirty="0" smtClean="0"/>
-              <a:t>Folgende Zeichen</a:t>
-            </a:r>
-          </a:p>
-          <a:p>
-            <a:r>
-              <a:rPr lang="de-DE" dirty="0" smtClean="0"/>
-              <a:t>Genau Informationen in der </a:t>
-            </a:r>
-            <a:r>
-              <a:rPr lang="de-DE" dirty="0" err="1" smtClean="0"/>
-              <a:t>JavaDoc</a:t>
-            </a:r>
-            <a:endParaRPr lang="de-DE" dirty="0" smtClean="0"/>
+            <a:endParaRPr lang="de-DE" dirty="0"/>
           </a:p>
         </p:txBody>
       </p:sp>
     </p:spTree>
     <p:extLst>
       <p:ext uri="{BB962C8B-B14F-4D97-AF65-F5344CB8AC3E}">
-        <p14:creationId xmlns:p14="http://schemas.microsoft.com/office/powerpoint/2010/main" val="492073523"/>
-      </p:ext>
-    </p:extLst>
-  </p:cSld>
-  <p:clrMapOvr>
-    <a:masterClrMapping/>
-  </p:clrMapOvr>
-</p:sld>
-</file>
-
-<file path=ppt/slides/slide6.xml><?xml version="1.0" encoding="utf-8"?>
-<p:sld xmlns:a="http://schemas.openxmlformats.org/drawingml/2006/main" xmlns:r="http://schemas.openxmlformats.org/officeDocument/2006/relationships" xmlns:p="http://schemas.openxmlformats.org/presentationml/2006/main">
-  <p:cSld>
-    <p:spTree>
-      <p:nvGrpSpPr>
-        <p:cNvPr id="1" name=""/>
-        <p:cNvGrpSpPr/>
-        <p:nvPr/>
-      </p:nvGrpSpPr>
-      <p:grpSpPr>
-        <a:xfrm>
-          <a:off x="0" y="0"/>
-          <a:ext cx="0" cy="0"/>
-          <a:chOff x="0" y="0"/>
-          <a:chExt cx="0" cy="0"/>
-        </a:xfrm>
-      </p:grpSpPr>
-      <p:sp>
-        <p:nvSpPr>
-          <p:cNvPr id="2" name="Titel 1"/>
-          <p:cNvSpPr>
-            <a:spLocks noGrp="1"/>
-          </p:cNvSpPr>
-          <p:nvPr>
-            <p:ph type="title"/>
-          </p:nvPr>
-        </p:nvSpPr>
-        <p:spPr/>
-        <p:txBody>
-          <a:bodyPr/>
-          <a:lstStyle/>
-          <a:p>
-            <a:r>
-              <a:rPr lang="de-DE" dirty="0" smtClean="0"/>
-              <a:t>Verkettung in Ausdrücken</a:t>
-            </a:r>
-            <a:endParaRPr lang="de-DE" dirty="0"/>
-          </a:p>
-        </p:txBody>
-      </p:sp>
-      <p:sp>
-        <p:nvSpPr>
-          <p:cNvPr id="3" name="Inhaltsplatzhalter 2"/>
-          <p:cNvSpPr>
-            <a:spLocks noGrp="1"/>
-          </p:cNvSpPr>
-          <p:nvPr>
-            <p:ph idx="1"/>
-          </p:nvPr>
-        </p:nvSpPr>
-        <p:spPr/>
-        <p:txBody>
-          <a:bodyPr>
-            <a:normAutofit lnSpcReduction="10000"/>
-          </a:bodyPr>
-          <a:lstStyle/>
-          <a:p>
-            <a:pPr marL="0" indent="0">
-              <a:buNone/>
-            </a:pPr>
-            <a:r>
-              <a:rPr lang="de-DE" dirty="0" smtClean="0">
-                <a:latin typeface="Consolas" panose="020B0609020204030204" pitchFamily="49" charset="0"/>
-                <a:cs typeface="Consolas" panose="020B0609020204030204" pitchFamily="49" charset="0"/>
-              </a:rPr>
-              <a:t>public void </a:t>
-            </a:r>
-            <a:r>
-              <a:rPr lang="de-DE" dirty="0" err="1" smtClean="0">
-                <a:latin typeface="Consolas" panose="020B0609020204030204" pitchFamily="49" charset="0"/>
-                <a:cs typeface="Consolas" panose="020B0609020204030204" pitchFamily="49" charset="0"/>
-              </a:rPr>
-              <a:t>VerkettungBeispiel</a:t>
-            </a:r>
-            <a:r>
-              <a:rPr lang="de-DE" dirty="0" smtClean="0">
-                <a:latin typeface="Consolas" panose="020B0609020204030204" pitchFamily="49" charset="0"/>
-                <a:cs typeface="Consolas" panose="020B0609020204030204" pitchFamily="49" charset="0"/>
-              </a:rPr>
-              <a:t>() {</a:t>
-            </a:r>
-          </a:p>
-          <a:p>
-            <a:pPr marL="0" indent="0">
-              <a:buNone/>
-            </a:pPr>
-            <a:r>
-              <a:rPr lang="de-DE" dirty="0" smtClean="0">
-                <a:latin typeface="Consolas" panose="020B0609020204030204" pitchFamily="49" charset="0"/>
-                <a:cs typeface="Consolas" panose="020B0609020204030204" pitchFamily="49" charset="0"/>
-              </a:rPr>
-              <a:t>	int zahl1 = 15;</a:t>
-            </a:r>
-          </a:p>
-          <a:p>
-            <a:pPr marL="0" indent="0">
-              <a:buNone/>
-            </a:pPr>
-            <a:r>
-              <a:rPr lang="de-DE" dirty="0" smtClean="0">
-                <a:latin typeface="Consolas" panose="020B0609020204030204" pitchFamily="49" charset="0"/>
-                <a:cs typeface="Consolas" panose="020B0609020204030204" pitchFamily="49" charset="0"/>
-              </a:rPr>
-              <a:t>	int zahl2 = 12;</a:t>
-            </a:r>
-          </a:p>
-          <a:p>
-            <a:pPr marL="0" indent="0">
-              <a:buNone/>
-            </a:pPr>
-            <a:r>
-              <a:rPr lang="de-DE" dirty="0" smtClean="0">
-                <a:latin typeface="Consolas" panose="020B0609020204030204" pitchFamily="49" charset="0"/>
-                <a:cs typeface="Consolas" panose="020B0609020204030204" pitchFamily="49" charset="0"/>
-              </a:rPr>
-              <a:t>	int zahl3 = 10;</a:t>
-            </a:r>
-          </a:p>
-          <a:p>
-            <a:pPr marL="0" indent="0">
-              <a:buNone/>
-            </a:pPr>
-            <a:r>
-              <a:rPr lang="de-DE" dirty="0" smtClean="0">
-                <a:latin typeface="Consolas" panose="020B0609020204030204" pitchFamily="49" charset="0"/>
-                <a:cs typeface="Consolas" panose="020B0609020204030204" pitchFamily="49" charset="0"/>
-              </a:rPr>
-              <a:t>	</a:t>
-            </a:r>
-            <a:r>
-              <a:rPr lang="de-DE" dirty="0" err="1" smtClean="0">
-                <a:latin typeface="Consolas" panose="020B0609020204030204" pitchFamily="49" charset="0"/>
-                <a:cs typeface="Consolas" panose="020B0609020204030204" pitchFamily="49" charset="0"/>
-              </a:rPr>
-              <a:t>if</a:t>
-            </a:r>
-            <a:r>
-              <a:rPr lang="de-DE" dirty="0" smtClean="0">
-                <a:latin typeface="Consolas" panose="020B0609020204030204" pitchFamily="49" charset="0"/>
-                <a:cs typeface="Consolas" panose="020B0609020204030204" pitchFamily="49" charset="0"/>
-              </a:rPr>
-              <a:t>(zahl1 &gt; zahl2 &gt;= zahl3) {</a:t>
-            </a:r>
-          </a:p>
-          <a:p>
-            <a:pPr marL="0" indent="0">
-              <a:buNone/>
-            </a:pPr>
-            <a:r>
-              <a:rPr lang="de-DE" dirty="0" smtClean="0">
-                <a:latin typeface="Consolas" panose="020B0609020204030204" pitchFamily="49" charset="0"/>
-                <a:cs typeface="Consolas" panose="020B0609020204030204" pitchFamily="49" charset="0"/>
-              </a:rPr>
-              <a:t>		// tue etwas</a:t>
-            </a:r>
-          </a:p>
-          <a:p>
-            <a:pPr marL="0" indent="0">
-              <a:buNone/>
-            </a:pPr>
-            <a:r>
-              <a:rPr lang="de-DE" dirty="0" smtClean="0">
-                <a:latin typeface="Consolas" panose="020B0609020204030204" pitchFamily="49" charset="0"/>
-                <a:cs typeface="Consolas" panose="020B0609020204030204" pitchFamily="49" charset="0"/>
-              </a:rPr>
-              <a:t>	}</a:t>
-            </a:r>
-          </a:p>
-          <a:p>
-            <a:pPr marL="0" indent="0">
-              <a:buNone/>
-            </a:pPr>
-            <a:r>
-              <a:rPr lang="de-DE" dirty="0" smtClean="0">
-                <a:latin typeface="Consolas" panose="020B0609020204030204" pitchFamily="49" charset="0"/>
-                <a:cs typeface="Consolas" panose="020B0609020204030204" pitchFamily="49" charset="0"/>
-              </a:rPr>
-              <a:t>}</a:t>
-            </a:r>
-          </a:p>
-        </p:txBody>
-      </p:sp>
-    </p:spTree>
-    <p:extLst>
-      <p:ext uri="{BB962C8B-B14F-4D97-AF65-F5344CB8AC3E}">
-        <p14:creationId xmlns:p14="http://schemas.microsoft.com/office/powerpoint/2010/main" val="930128256"/>
-      </p:ext>
-    </p:extLst>
-  </p:cSld>
-  <p:clrMapOvr>
-    <a:masterClrMapping/>
-  </p:clrMapOvr>
-</p:sld>
-</file>
-
-<file path=ppt/slides/slide7.xml><?xml version="1.0" encoding="utf-8"?>
-<p:sld xmlns:a="http://schemas.openxmlformats.org/drawingml/2006/main" xmlns:r="http://schemas.openxmlformats.org/officeDocument/2006/relationships" xmlns:p="http://schemas.openxmlformats.org/presentationml/2006/main">
-  <p:cSld>
-    <p:spTree>
-      <p:nvGrpSpPr>
-        <p:cNvPr id="1" name=""/>
-        <p:cNvGrpSpPr/>
-        <p:nvPr/>
-      </p:nvGrpSpPr>
-      <p:grpSpPr>
-        <a:xfrm>
-          <a:off x="0" y="0"/>
-          <a:ext cx="0" cy="0"/>
-          <a:chOff x="0" y="0"/>
-          <a:chExt cx="0" cy="0"/>
-        </a:xfrm>
-      </p:grpSpPr>
-      <p:sp>
-        <p:nvSpPr>
-          <p:cNvPr id="2" name="Titel 1"/>
-          <p:cNvSpPr>
-            <a:spLocks noGrp="1"/>
-          </p:cNvSpPr>
-          <p:nvPr>
-            <p:ph type="title"/>
-          </p:nvPr>
-        </p:nvSpPr>
-        <p:spPr/>
-        <p:txBody>
-          <a:bodyPr/>
-          <a:lstStyle/>
-          <a:p>
-            <a:r>
-              <a:rPr lang="de-DE" dirty="0" smtClean="0"/>
-              <a:t>Umgang mit boolean</a:t>
-            </a:r>
-            <a:endParaRPr lang="de-DE" dirty="0"/>
-          </a:p>
-        </p:txBody>
-      </p:sp>
-      <p:sp>
-        <p:nvSpPr>
-          <p:cNvPr id="3" name="Inhaltsplatzhalter 2"/>
-          <p:cNvSpPr>
-            <a:spLocks noGrp="1"/>
-          </p:cNvSpPr>
-          <p:nvPr>
-            <p:ph idx="1"/>
-          </p:nvPr>
-        </p:nvSpPr>
-        <p:spPr/>
-        <p:txBody>
-          <a:bodyPr/>
-          <a:lstStyle/>
-          <a:p>
-            <a:r>
-              <a:rPr lang="de-DE" dirty="0" smtClean="0"/>
-              <a:t>Siehe Codebeispiel</a:t>
-            </a:r>
-            <a:endParaRPr lang="de-DE" dirty="0"/>
-          </a:p>
-        </p:txBody>
-      </p:sp>
-    </p:spTree>
-    <p:extLst>
-      <p:ext uri="{BB962C8B-B14F-4D97-AF65-F5344CB8AC3E}">
-        <p14:creationId xmlns:p14="http://schemas.microsoft.com/office/powerpoint/2010/main" val="852076162"/>
-      </p:ext>
-    </p:extLst>
-  </p:cSld>
-  <p:clrMapOvr>
-    <a:masterClrMapping/>
-  </p:clrMapOvr>
-</p:sld>
-</file>
-
-<file path=ppt/slides/slide8.xml><?xml version="1.0" encoding="utf-8"?>
-<p:sld xmlns:a="http://schemas.openxmlformats.org/drawingml/2006/main" xmlns:r="http://schemas.openxmlformats.org/officeDocument/2006/relationships" xmlns:p="http://schemas.openxmlformats.org/presentationml/2006/main">
-  <p:cSld>
-    <p:spTree>
-      <p:nvGrpSpPr>
-        <p:cNvPr id="1" name=""/>
-        <p:cNvGrpSpPr/>
-        <p:nvPr/>
-      </p:nvGrpSpPr>
-      <p:grpSpPr>
-        <a:xfrm>
-          <a:off x="0" y="0"/>
-          <a:ext cx="0" cy="0"/>
-          <a:chOff x="0" y="0"/>
-          <a:chExt cx="0" cy="0"/>
-        </a:xfrm>
-      </p:grpSpPr>
-      <p:sp>
-        <p:nvSpPr>
-          <p:cNvPr id="2" name="Titel 1"/>
-          <p:cNvSpPr>
-            <a:spLocks noGrp="1"/>
-          </p:cNvSpPr>
-          <p:nvPr>
-            <p:ph type="title"/>
-          </p:nvPr>
-        </p:nvSpPr>
-        <p:spPr/>
-        <p:txBody>
-          <a:bodyPr/>
-          <a:lstStyle/>
-          <a:p>
-            <a:r>
-              <a:rPr lang="de-DE" dirty="0" smtClean="0"/>
-              <a:t>Dreiteiliger bedingter Operator</a:t>
-            </a:r>
-            <a:endParaRPr lang="de-DE" dirty="0"/>
-          </a:p>
-        </p:txBody>
-      </p:sp>
-      <p:sp>
-        <p:nvSpPr>
-          <p:cNvPr id="3" name="Inhaltsplatzhalter 2"/>
-          <p:cNvSpPr>
-            <a:spLocks noGrp="1"/>
-          </p:cNvSpPr>
-          <p:nvPr>
-            <p:ph idx="1"/>
-          </p:nvPr>
-        </p:nvSpPr>
-        <p:spPr/>
-        <p:txBody>
-          <a:bodyPr/>
-          <a:lstStyle/>
-          <a:p>
-            <a:r>
-              <a:rPr lang="de-DE" dirty="0" smtClean="0"/>
-              <a:t>Siehe Codebeispiel</a:t>
-            </a:r>
-            <a:endParaRPr lang="de-DE" dirty="0"/>
-          </a:p>
-        </p:txBody>
-      </p:sp>
-    </p:spTree>
-    <p:extLst>
-      <p:ext uri="{BB962C8B-B14F-4D97-AF65-F5344CB8AC3E}">
-        <p14:creationId xmlns:p14="http://schemas.microsoft.com/office/powerpoint/2010/main" val="2525953848"/>
-      </p:ext>
-    </p:extLst>
-  </p:cSld>
-  <p:clrMapOvr>
-    <a:masterClrMapping/>
-  </p:clrMapOvr>
-</p:sld>
-</file>
-
-<file path=ppt/slides/slide9.xml><?xml version="1.0" encoding="utf-8"?>
-<p:sld xmlns:a="http://schemas.openxmlformats.org/drawingml/2006/main" xmlns:r="http://schemas.openxmlformats.org/officeDocument/2006/relationships" xmlns:p="http://schemas.openxmlformats.org/presentationml/2006/main">
-  <p:cSld>
-    <p:spTree>
-      <p:nvGrpSpPr>
-        <p:cNvPr id="1" name=""/>
-        <p:cNvGrpSpPr/>
-        <p:nvPr/>
-      </p:nvGrpSpPr>
-      <p:grpSpPr>
-        <a:xfrm>
-          <a:off x="0" y="0"/>
-          <a:ext cx="0" cy="0"/>
-          <a:chOff x="0" y="0"/>
-          <a:chExt cx="0" cy="0"/>
-        </a:xfrm>
-      </p:grpSpPr>
-      <p:sp>
-        <p:nvSpPr>
-          <p:cNvPr id="2" name="Titel 1"/>
-          <p:cNvSpPr>
-            <a:spLocks noGrp="1"/>
-          </p:cNvSpPr>
-          <p:nvPr>
-            <p:ph type="title"/>
-          </p:nvPr>
-        </p:nvSpPr>
-        <p:spPr/>
-        <p:txBody>
-          <a:bodyPr/>
-          <a:lstStyle/>
-          <a:p>
-            <a:r>
-              <a:rPr lang="de-DE" dirty="0" smtClean="0"/>
-              <a:t>Übungen</a:t>
-            </a:r>
-            <a:endParaRPr lang="de-DE" dirty="0"/>
-          </a:p>
-        </p:txBody>
-      </p:sp>
-      <p:sp>
-        <p:nvSpPr>
-          <p:cNvPr id="3" name="Inhaltsplatzhalter 2"/>
-          <p:cNvSpPr>
-            <a:spLocks noGrp="1"/>
-          </p:cNvSpPr>
-          <p:nvPr>
-            <p:ph idx="1"/>
-          </p:nvPr>
-        </p:nvSpPr>
-        <p:spPr/>
-        <p:txBody>
-          <a:bodyPr/>
-          <a:lstStyle/>
-          <a:p>
-            <a:r>
-              <a:rPr lang="de-DE" dirty="0" smtClean="0"/>
-              <a:t>Es findet sich ein Übungszettel in meinem </a:t>
-            </a:r>
-            <a:r>
-              <a:rPr lang="de-DE" dirty="0" err="1" smtClean="0"/>
-              <a:t>pub</a:t>
-            </a:r>
-            <a:r>
-              <a:rPr lang="de-DE" dirty="0" smtClean="0"/>
-              <a:t>(Lennart Borchert) im Ordner „Termin 3“</a:t>
-            </a:r>
-          </a:p>
-          <a:p>
-            <a:r>
-              <a:rPr lang="de-DE" dirty="0" smtClean="0"/>
-              <a:t>Es können auch Praktikumsaufgaben bearbeitet werden.</a:t>
-            </a:r>
-            <a:endParaRPr lang="de-DE" dirty="0"/>
-          </a:p>
-        </p:txBody>
-      </p:sp>
-    </p:spTree>
-    <p:extLst>
-      <p:ext uri="{BB962C8B-B14F-4D97-AF65-F5344CB8AC3E}">
-        <p14:creationId xmlns:p14="http://schemas.microsoft.com/office/powerpoint/2010/main" val="3766795349"/>
+        <p14:creationId xmlns:p14="http://schemas.microsoft.com/office/powerpoint/2010/main" val="483055910"/>
       </p:ext>
     </p:extLst>
   </p:cSld>
